--- a/保险APP图标.pptx
+++ b/保险APP图标.pptx
@@ -203,7 +203,7 @@
           <a:p>
             <a:fld id="{D6FE3791-DD4E-6443-A901-D942DCE1C210}" type="datetimeFigureOut">
               <a:rPr kumimoji="1" lang="zh-CN" altLang="en-US" smtClean="0"/>
-              <a:t>17/11/19</a:t>
+              <a:t>18/1/5</a:t>
             </a:fld>
             <a:endParaRPr kumimoji="1" lang="zh-CN" altLang="en-US"/>
           </a:p>
@@ -686,7 +686,7 @@
           <a:p>
             <a:fld id="{25EEC210-CAF4-294F-AFEB-08F60923D5FF}" type="datetimeFigureOut">
               <a:rPr kumimoji="1" lang="zh-CN" altLang="en-US" smtClean="0"/>
-              <a:t>17/11/19</a:t>
+              <a:t>18/1/5</a:t>
             </a:fld>
             <a:endParaRPr kumimoji="1" lang="zh-CN" altLang="en-US"/>
           </a:p>
@@ -856,7 +856,7 @@
           <a:p>
             <a:fld id="{25EEC210-CAF4-294F-AFEB-08F60923D5FF}" type="datetimeFigureOut">
               <a:rPr kumimoji="1" lang="zh-CN" altLang="en-US" smtClean="0"/>
-              <a:t>17/11/19</a:t>
+              <a:t>18/1/5</a:t>
             </a:fld>
             <a:endParaRPr kumimoji="1" lang="zh-CN" altLang="en-US"/>
           </a:p>
@@ -1036,7 +1036,7 @@
           <a:p>
             <a:fld id="{25EEC210-CAF4-294F-AFEB-08F60923D5FF}" type="datetimeFigureOut">
               <a:rPr kumimoji="1" lang="zh-CN" altLang="en-US" smtClean="0"/>
-              <a:t>17/11/19</a:t>
+              <a:t>18/1/5</a:t>
             </a:fld>
             <a:endParaRPr kumimoji="1" lang="zh-CN" altLang="en-US"/>
           </a:p>
@@ -1206,7 +1206,7 @@
           <a:p>
             <a:fld id="{25EEC210-CAF4-294F-AFEB-08F60923D5FF}" type="datetimeFigureOut">
               <a:rPr kumimoji="1" lang="zh-CN" altLang="en-US" smtClean="0"/>
-              <a:t>17/11/19</a:t>
+              <a:t>18/1/5</a:t>
             </a:fld>
             <a:endParaRPr kumimoji="1" lang="zh-CN" altLang="en-US"/>
           </a:p>
@@ -1452,7 +1452,7 @@
           <a:p>
             <a:fld id="{25EEC210-CAF4-294F-AFEB-08F60923D5FF}" type="datetimeFigureOut">
               <a:rPr kumimoji="1" lang="zh-CN" altLang="en-US" smtClean="0"/>
-              <a:t>17/11/19</a:t>
+              <a:t>18/1/5</a:t>
             </a:fld>
             <a:endParaRPr kumimoji="1" lang="zh-CN" altLang="en-US"/>
           </a:p>
@@ -1684,7 +1684,7 @@
           <a:p>
             <a:fld id="{25EEC210-CAF4-294F-AFEB-08F60923D5FF}" type="datetimeFigureOut">
               <a:rPr kumimoji="1" lang="zh-CN" altLang="en-US" smtClean="0"/>
-              <a:t>17/11/19</a:t>
+              <a:t>18/1/5</a:t>
             </a:fld>
             <a:endParaRPr kumimoji="1" lang="zh-CN" altLang="en-US"/>
           </a:p>
@@ -2051,7 +2051,7 @@
           <a:p>
             <a:fld id="{25EEC210-CAF4-294F-AFEB-08F60923D5FF}" type="datetimeFigureOut">
               <a:rPr kumimoji="1" lang="zh-CN" altLang="en-US" smtClean="0"/>
-              <a:t>17/11/19</a:t>
+              <a:t>18/1/5</a:t>
             </a:fld>
             <a:endParaRPr kumimoji="1" lang="zh-CN" altLang="en-US"/>
           </a:p>
@@ -2169,7 +2169,7 @@
           <a:p>
             <a:fld id="{25EEC210-CAF4-294F-AFEB-08F60923D5FF}" type="datetimeFigureOut">
               <a:rPr kumimoji="1" lang="zh-CN" altLang="en-US" smtClean="0"/>
-              <a:t>17/11/19</a:t>
+              <a:t>18/1/5</a:t>
             </a:fld>
             <a:endParaRPr kumimoji="1" lang="zh-CN" altLang="en-US"/>
           </a:p>
@@ -2264,7 +2264,7 @@
           <a:p>
             <a:fld id="{25EEC210-CAF4-294F-AFEB-08F60923D5FF}" type="datetimeFigureOut">
               <a:rPr kumimoji="1" lang="zh-CN" altLang="en-US" smtClean="0"/>
-              <a:t>17/11/19</a:t>
+              <a:t>18/1/5</a:t>
             </a:fld>
             <a:endParaRPr kumimoji="1" lang="zh-CN" altLang="en-US"/>
           </a:p>
@@ -2541,7 +2541,7 @@
           <a:p>
             <a:fld id="{25EEC210-CAF4-294F-AFEB-08F60923D5FF}" type="datetimeFigureOut">
               <a:rPr kumimoji="1" lang="zh-CN" altLang="en-US" smtClean="0"/>
-              <a:t>17/11/19</a:t>
+              <a:t>18/1/5</a:t>
             </a:fld>
             <a:endParaRPr kumimoji="1" lang="zh-CN" altLang="en-US"/>
           </a:p>
@@ -2794,7 +2794,7 @@
           <a:p>
             <a:fld id="{25EEC210-CAF4-294F-AFEB-08F60923D5FF}" type="datetimeFigureOut">
               <a:rPr kumimoji="1" lang="zh-CN" altLang="en-US" smtClean="0"/>
-              <a:t>17/11/19</a:t>
+              <a:t>18/1/5</a:t>
             </a:fld>
             <a:endParaRPr kumimoji="1" lang="zh-CN" altLang="en-US"/>
           </a:p>
@@ -3007,7 +3007,7 @@
           <a:p>
             <a:fld id="{25EEC210-CAF4-294F-AFEB-08F60923D5FF}" type="datetimeFigureOut">
               <a:rPr kumimoji="1" lang="zh-CN" altLang="en-US" smtClean="0"/>
-              <a:t>17/11/19</a:t>
+              <a:t>18/1/5</a:t>
             </a:fld>
             <a:endParaRPr kumimoji="1" lang="zh-CN" altLang="en-US"/>
           </a:p>
@@ -6315,6 +6315,64 @@
           </a:p>
         </p:txBody>
       </p:sp>
+      <p:sp>
+        <p:nvSpPr>
+          <p:cNvPr id="13" name="圆角矩形 12"/>
+          <p:cNvSpPr/>
+          <p:nvPr/>
+        </p:nvSpPr>
+        <p:spPr>
+          <a:xfrm>
+            <a:off x="472440" y="1842436"/>
+            <a:ext cx="1130968" cy="1130968"/>
+          </a:xfrm>
+          <a:prstGeom prst="roundRect">
+            <a:avLst/>
+          </a:prstGeom>
+          <a:solidFill>
+            <a:srgbClr val="008CFF"/>
+          </a:solidFill>
+          <a:ln>
+            <a:noFill/>
+          </a:ln>
+        </p:spPr>
+        <p:style>
+          <a:lnRef idx="2">
+            <a:schemeClr val="accent1">
+              <a:shade val="50000"/>
+            </a:schemeClr>
+          </a:lnRef>
+          <a:fillRef idx="1">
+            <a:schemeClr val="accent1"/>
+          </a:fillRef>
+          <a:effectRef idx="0">
+            <a:schemeClr val="accent1"/>
+          </a:effectRef>
+          <a:fontRef idx="minor">
+            <a:schemeClr val="lt1"/>
+          </a:fontRef>
+        </p:style>
+        <p:txBody>
+          <a:bodyPr rtlCol="0" anchor="ctr"/>
+          <a:lstStyle/>
+          <a:p>
+            <a:pPr algn="ctr"/>
+            <a:r>
+              <a:rPr kumimoji="1" lang="zh-CN" altLang="en-US" sz="6000" dirty="0" smtClean="0">
+                <a:latin typeface="Yuppy TC" charset="-120"/>
+                <a:ea typeface="Yuppy TC" charset="-120"/>
+                <a:cs typeface="Yuppy TC" charset="-120"/>
+              </a:rPr>
+              <a:t>众</a:t>
+            </a:r>
+            <a:endParaRPr kumimoji="1" lang="zh-CN" altLang="en-US" sz="6000" dirty="0">
+              <a:latin typeface="Yuppy TC" charset="-120"/>
+              <a:ea typeface="Yuppy TC" charset="-120"/>
+              <a:cs typeface="Yuppy TC" charset="-120"/>
+            </a:endParaRPr>
+          </a:p>
+        </p:txBody>
+      </p:sp>
     </p:spTree>
     <p:extLst>
       <p:ext uri="{BB962C8B-B14F-4D97-AF65-F5344CB8AC3E}">
@@ -6556,19 +6614,17 @@
         </p:nvSpPr>
         <p:spPr>
           <a:xfrm>
-            <a:off x="4443662" y="626288"/>
+            <a:off x="4565715" y="2585166"/>
             <a:ext cx="1270919" cy="1270919"/>
           </a:xfrm>
           <a:prstGeom prst="heart">
             <a:avLst/>
           </a:prstGeom>
-          <a:noFill/>
+          <a:solidFill>
+            <a:srgbClr val="FFC000"/>
+          </a:solidFill>
           <a:ln w="127000">
-            <a:solidFill>
-              <a:schemeClr val="bg1">
-                <a:lumMod val="65000"/>
-              </a:schemeClr>
-            </a:solidFill>
+            <a:noFill/>
           </a:ln>
         </p:spPr>
         <p:style>
@@ -6776,6 +6832,161 @@
           </a:prstGeom>
           <a:noFill/>
           <a:ln w="63500">
+            <a:solidFill>
+              <a:schemeClr val="bg1">
+                <a:lumMod val="65000"/>
+              </a:schemeClr>
+            </a:solidFill>
+          </a:ln>
+        </p:spPr>
+        <p:style>
+          <a:lnRef idx="2">
+            <a:schemeClr val="accent1">
+              <a:shade val="50000"/>
+            </a:schemeClr>
+          </a:lnRef>
+          <a:fillRef idx="1">
+            <a:schemeClr val="accent1"/>
+          </a:fillRef>
+          <a:effectRef idx="0">
+            <a:schemeClr val="accent1"/>
+          </a:effectRef>
+          <a:fontRef idx="minor">
+            <a:schemeClr val="lt1"/>
+          </a:fontRef>
+        </p:style>
+        <p:txBody>
+          <a:bodyPr rtlCol="0" anchor="ctr"/>
+          <a:lstStyle/>
+          <a:p>
+            <a:pPr algn="ctr"/>
+            <a:endParaRPr kumimoji="1" lang="zh-CN" altLang="en-US"/>
+          </a:p>
+        </p:txBody>
+      </p:sp>
+      <p:grpSp>
+        <p:nvGrpSpPr>
+          <p:cNvPr id="8" name="组 7"/>
+          <p:cNvGrpSpPr/>
+          <p:nvPr/>
+        </p:nvGrpSpPr>
+        <p:grpSpPr>
+          <a:xfrm>
+            <a:off x="2617602" y="2529435"/>
+            <a:ext cx="1377795" cy="1446550"/>
+            <a:chOff x="2617602" y="2529435"/>
+            <a:chExt cx="1377795" cy="1446550"/>
+          </a:xfrm>
+        </p:grpSpPr>
+        <p:sp>
+          <p:nvSpPr>
+            <p:cNvPr id="2" name="椭圆 1"/>
+            <p:cNvSpPr/>
+            <p:nvPr/>
+          </p:nvSpPr>
+          <p:spPr>
+            <a:xfrm>
+              <a:off x="2617602" y="2531729"/>
+              <a:ext cx="1377795" cy="1377795"/>
+            </a:xfrm>
+            <a:prstGeom prst="ellipse">
+              <a:avLst/>
+            </a:prstGeom>
+            <a:noFill/>
+            <a:ln w="63500">
+              <a:solidFill>
+                <a:schemeClr val="bg1">
+                  <a:lumMod val="65000"/>
+                </a:schemeClr>
+              </a:solidFill>
+            </a:ln>
+          </p:spPr>
+          <p:style>
+            <a:lnRef idx="2">
+              <a:schemeClr val="accent1">
+                <a:shade val="50000"/>
+              </a:schemeClr>
+            </a:lnRef>
+            <a:fillRef idx="1">
+              <a:schemeClr val="accent1"/>
+            </a:fillRef>
+            <a:effectRef idx="0">
+              <a:schemeClr val="accent1"/>
+            </a:effectRef>
+            <a:fontRef idx="minor">
+              <a:schemeClr val="lt1"/>
+            </a:fontRef>
+          </p:style>
+          <p:txBody>
+            <a:bodyPr rtlCol="0" anchor="ctr"/>
+            <a:lstStyle/>
+            <a:p>
+              <a:pPr algn="ctr"/>
+              <a:endParaRPr kumimoji="1" lang="zh-CN" altLang="en-US"/>
+            </a:p>
+          </p:txBody>
+        </p:sp>
+        <p:sp>
+          <p:nvSpPr>
+            <p:cNvPr id="3" name="文本框 2"/>
+            <p:cNvSpPr txBox="1"/>
+            <p:nvPr/>
+          </p:nvSpPr>
+          <p:spPr>
+            <a:xfrm>
+              <a:off x="3053877" y="2529435"/>
+              <a:ext cx="537327" cy="1446550"/>
+            </a:xfrm>
+            <a:prstGeom prst="rect">
+              <a:avLst/>
+            </a:prstGeom>
+            <a:noFill/>
+          </p:spPr>
+          <p:txBody>
+            <a:bodyPr wrap="none" rtlCol="0">
+              <a:spAutoFit/>
+            </a:bodyPr>
+            <a:lstStyle/>
+            <a:p>
+              <a:r>
+                <a:rPr kumimoji="1" lang="en-US" altLang="zh-CN" sz="8800" dirty="0" smtClean="0">
+                  <a:solidFill>
+                    <a:srgbClr val="FF0000"/>
+                  </a:solidFill>
+                  <a:latin typeface="Microsoft YaHei" charset="-122"/>
+                  <a:ea typeface="Microsoft YaHei" charset="-122"/>
+                  <a:cs typeface="Microsoft YaHei" charset="-122"/>
+                </a:rPr>
+                <a:t>!</a:t>
+              </a:r>
+              <a:endParaRPr kumimoji="1" lang="zh-CN" altLang="en-US" sz="8800" dirty="0">
+                <a:solidFill>
+                  <a:srgbClr val="FF0000"/>
+                </a:solidFill>
+                <a:latin typeface="Microsoft YaHei" charset="-122"/>
+                <a:ea typeface="Microsoft YaHei" charset="-122"/>
+                <a:cs typeface="Microsoft YaHei" charset="-122"/>
+              </a:endParaRPr>
+            </a:p>
+          </p:txBody>
+        </p:sp>
+      </p:grpSp>
+      <p:sp>
+        <p:nvSpPr>
+          <p:cNvPr id="21" name="心形 20"/>
+          <p:cNvSpPr/>
+          <p:nvPr/>
+        </p:nvSpPr>
+        <p:spPr>
+          <a:xfrm>
+            <a:off x="4596062" y="778688"/>
+            <a:ext cx="1270919" cy="1270919"/>
+          </a:xfrm>
+          <a:prstGeom prst="heart">
+            <a:avLst/>
+          </a:prstGeom>
+          <a:noFill/>
+          <a:ln w="127000">
             <a:solidFill>
               <a:schemeClr val="bg1">
                 <a:lumMod val="65000"/>
